--- a/User Manual Source/Release Notes 2.2.pptx
+++ b/User Manual Source/Release Notes 2.2.pptx
@@ -5330,8 +5330,13 @@
                   <a:srgbClr val="990000"/>
                 </a:solidFill>
               </a:rPr>
-              <a:t>22.07.2015</a:t>
-            </a:r>
+              <a:t>09.09.2015</a:t>
+            </a:r>
+            <a:endParaRPr lang="en-US" sz="2000" dirty="0" smtClean="0">
+              <a:solidFill>
+                <a:srgbClr val="990000"/>
+              </a:solidFill>
+            </a:endParaRPr>
           </a:p>
           <a:p>
             <a:pPr eaLnBrk="1" hangingPunct="1"/>
@@ -9955,16 +9960,13 @@
             </a:pPr>
             <a:r>
               <a:rPr lang="en-GB" sz="1400" b="0" dirty="0" smtClean="0"/>
-              <a:t>*	If </a:t>
-            </a:r>
-            <a:r>
-              <a:rPr lang="en-GB" sz="1400" b="0" dirty="0"/>
-              <a:t>the engine full load torque is lower than the gear full load, then the engine full load is used to prevent unreasonable shifting with small engines</a:t>
+              <a:t>*	</a:t>
             </a:r>
             <a:r>
               <a:rPr lang="en-GB" sz="1400" b="0" dirty="0" smtClean="0"/>
-              <a:t>.</a:t>
-            </a:r>
+              <a:t>The torque curve used for generation of shift polygons is the minimum curve of engine full load curve and gear box "full load" curve</a:t>
+            </a:r>
+            <a:endParaRPr lang="en-GB" sz="1400" b="0" dirty="0" smtClean="0"/>
           </a:p>
         </p:txBody>
       </p:sp>
@@ -10504,13 +10506,8 @@
             </a:r>
             <a:r>
               <a:rPr lang="en-GB" sz="1400" dirty="0" smtClean="0"/>
-              <a:t> product, which can now be inserted </a:t>
-            </a:r>
-            <a:r>
-              <a:rPr lang="en-GB" sz="1400" dirty="0" smtClean="0"/>
-              <a:t>into VECTO without separating.</a:t>
-            </a:r>
-            <a:endParaRPr lang="en-GB" sz="1400" dirty="0" smtClean="0"/>
+              <a:t> product, which can now be inserted into VECTO without separating.</a:t>
+            </a:r>
           </a:p>
           <a:p>
             <a:pPr marL="342900" indent="-342900" algn="l">
@@ -10652,6 +10649,112 @@
           <a:chExt cx="0" cy="0"/>
         </a:xfrm>
       </p:grpSpPr>
+      <p:pic>
+        <p:nvPicPr>
+          <p:cNvPr id="1027" name="Picture 3"/>
+          <p:cNvPicPr>
+            <a:picLocks noChangeAspect="1" noChangeArrowheads="1"/>
+          </p:cNvPicPr>
+          <p:nvPr/>
+        </p:nvPicPr>
+        <p:blipFill rotWithShape="1">
+          <a:blip r:embed="rId3">
+            <a:extLst>
+              <a:ext uri="{28A0092B-C50C-407E-A947-70E740481C1C}">
+                <a14:useLocalDpi xmlns:a14="http://schemas.microsoft.com/office/drawing/2010/main" val="0"/>
+              </a:ext>
+            </a:extLst>
+          </a:blip>
+          <a:srcRect r="47036" b="18735"/>
+          <a:stretch/>
+        </p:blipFill>
+        <p:spPr bwMode="auto">
+          <a:xfrm>
+            <a:off x="5652120" y="2976652"/>
+            <a:ext cx="3240362" cy="2756603"/>
+          </a:xfrm>
+          <a:prstGeom prst="rect">
+            <a:avLst/>
+          </a:prstGeom>
+          <a:noFill/>
+          <a:ln>
+            <a:noFill/>
+          </a:ln>
+          <a:extLst>
+            <a:ext uri="{909E8E84-426E-40DD-AFC4-6F175D3DCCD1}">
+              <a14:hiddenFill xmlns:a14="http://schemas.microsoft.com/office/drawing/2010/main">
+                <a:solidFill>
+                  <a:schemeClr val="accent1"/>
+                </a:solidFill>
+              </a14:hiddenFill>
+            </a:ext>
+            <a:ext uri="{91240B29-F687-4F45-9708-019B960494DF}">
+              <a14:hiddenLine xmlns:a14="http://schemas.microsoft.com/office/drawing/2010/main" w="9525">
+                <a:solidFill>
+                  <a:schemeClr val="tx1"/>
+                </a:solidFill>
+                <a:miter lim="800000"/>
+                <a:headEnd/>
+                <a:tailEnd/>
+              </a14:hiddenLine>
+            </a:ext>
+          </a:extLst>
+        </p:spPr>
+      </p:pic>
+      <p:pic>
+        <p:nvPicPr>
+          <p:cNvPr id="1026" name="Picture 2"/>
+          <p:cNvPicPr>
+            <a:picLocks noChangeAspect="1" noChangeArrowheads="1"/>
+          </p:cNvPicPr>
+          <p:nvPr/>
+        </p:nvPicPr>
+        <p:blipFill>
+          <a:blip r:embed="rId4">
+            <a:extLst>
+              <a:ext uri="{28A0092B-C50C-407E-A947-70E740481C1C}">
+                <a14:useLocalDpi xmlns:a14="http://schemas.microsoft.com/office/drawing/2010/main" val="0"/>
+              </a:ext>
+            </a:extLst>
+          </a:blip>
+          <a:srcRect/>
+          <a:stretch>
+            <a:fillRect/>
+          </a:stretch>
+        </p:blipFill>
+        <p:spPr bwMode="auto">
+          <a:xfrm>
+            <a:off x="107504" y="2733629"/>
+            <a:ext cx="4248472" cy="3119476"/>
+          </a:xfrm>
+          <a:prstGeom prst="rect">
+            <a:avLst/>
+          </a:prstGeom>
+          <a:noFill/>
+          <a:ln>
+            <a:noFill/>
+          </a:ln>
+          <a:extLst>
+            <a:ext uri="{909E8E84-426E-40DD-AFC4-6F175D3DCCD1}">
+              <a14:hiddenFill xmlns:a14="http://schemas.microsoft.com/office/drawing/2010/main">
+                <a:solidFill>
+                  <a:schemeClr val="accent1"/>
+                </a:solidFill>
+              </a14:hiddenFill>
+            </a:ext>
+            <a:ext uri="{91240B29-F687-4F45-9708-019B960494DF}">
+              <a14:hiddenLine xmlns:a14="http://schemas.microsoft.com/office/drawing/2010/main" w="9525">
+                <a:solidFill>
+                  <a:schemeClr val="tx1"/>
+                </a:solidFill>
+                <a:miter lim="800000"/>
+                <a:headEnd/>
+                <a:tailEnd/>
+              </a14:hiddenLine>
+            </a:ext>
+          </a:extLst>
+        </p:spPr>
+      </p:pic>
       <p:sp>
         <p:nvSpPr>
           <p:cNvPr id="26" name="Rectangle 3"/>
@@ -10852,122 +10955,16 @@
           </a:p>
         </p:txBody>
       </p:sp>
-      <p:pic>
-        <p:nvPicPr>
-          <p:cNvPr id="3074" name="Picture 2"/>
-          <p:cNvPicPr>
-            <a:picLocks noChangeAspect="1" noChangeArrowheads="1"/>
-          </p:cNvPicPr>
-          <p:nvPr/>
-        </p:nvPicPr>
-        <p:blipFill>
-          <a:blip r:embed="rId3">
-            <a:extLst>
-              <a:ext uri="{28A0092B-C50C-407E-A947-70E740481C1C}">
-                <a14:useLocalDpi xmlns:a14="http://schemas.microsoft.com/office/drawing/2010/main" val="0"/>
-              </a:ext>
-            </a:extLst>
-          </a:blip>
-          <a:srcRect/>
-          <a:stretch>
-            <a:fillRect/>
-          </a:stretch>
-        </p:blipFill>
-        <p:spPr bwMode="auto">
-          <a:xfrm>
-            <a:off x="107504" y="2303692"/>
-            <a:ext cx="5400602" cy="3717596"/>
-          </a:xfrm>
-          <a:prstGeom prst="rect">
-            <a:avLst/>
-          </a:prstGeom>
-          <a:noFill/>
-          <a:ln>
-            <a:noFill/>
-          </a:ln>
-          <a:extLst>
-            <a:ext uri="{909E8E84-426E-40DD-AFC4-6F175D3DCCD1}">
-              <a14:hiddenFill xmlns:a14="http://schemas.microsoft.com/office/drawing/2010/main">
-                <a:solidFill>
-                  <a:schemeClr val="accent1"/>
-                </a:solidFill>
-              </a14:hiddenFill>
-            </a:ext>
-            <a:ext uri="{91240B29-F687-4F45-9708-019B960494DF}">
-              <a14:hiddenLine xmlns:a14="http://schemas.microsoft.com/office/drawing/2010/main" w="9525">
-                <a:solidFill>
-                  <a:schemeClr val="tx1"/>
-                </a:solidFill>
-                <a:miter lim="800000"/>
-                <a:headEnd/>
-                <a:tailEnd/>
-              </a14:hiddenLine>
-            </a:ext>
-          </a:extLst>
-        </p:spPr>
-      </p:pic>
-      <p:pic>
-        <p:nvPicPr>
-          <p:cNvPr id="3075" name="Picture 3"/>
-          <p:cNvPicPr>
-            <a:picLocks noChangeAspect="1" noChangeArrowheads="1"/>
-          </p:cNvPicPr>
-          <p:nvPr/>
-        </p:nvPicPr>
-        <p:blipFill rotWithShape="1">
-          <a:blip r:embed="rId4">
-            <a:extLst>
-              <a:ext uri="{28A0092B-C50C-407E-A947-70E740481C1C}">
-                <a14:useLocalDpi xmlns:a14="http://schemas.microsoft.com/office/drawing/2010/main" val="0"/>
-              </a:ext>
-            </a:extLst>
-          </a:blip>
-          <a:srcRect l="-1" r="46107" b="12873"/>
-          <a:stretch/>
-        </p:blipFill>
-        <p:spPr bwMode="auto">
-          <a:xfrm>
-            <a:off x="5870363" y="3419389"/>
-            <a:ext cx="3238141" cy="2902530"/>
-          </a:xfrm>
-          <a:prstGeom prst="rect">
-            <a:avLst/>
-          </a:prstGeom>
-          <a:noFill/>
-          <a:ln>
-            <a:noFill/>
-          </a:ln>
-          <a:extLst>
-            <a:ext uri="{909E8E84-426E-40DD-AFC4-6F175D3DCCD1}">
-              <a14:hiddenFill xmlns:a14="http://schemas.microsoft.com/office/drawing/2010/main">
-                <a:solidFill>
-                  <a:schemeClr val="accent1"/>
-                </a:solidFill>
-              </a14:hiddenFill>
-            </a:ext>
-            <a:ext uri="{91240B29-F687-4F45-9708-019B960494DF}">
-              <a14:hiddenLine xmlns:a14="http://schemas.microsoft.com/office/drawing/2010/main" w="9525">
-                <a:solidFill>
-                  <a:schemeClr val="tx1"/>
-                </a:solidFill>
-                <a:miter lim="800000"/>
-                <a:headEnd/>
-                <a:tailEnd/>
-              </a14:hiddenLine>
-            </a:ext>
-          </a:extLst>
-        </p:spPr>
-      </p:pic>
       <p:sp>
         <p:nvSpPr>
-          <p:cNvPr id="13" name="Rechteck 12"/>
+          <p:cNvPr id="15" name="Rechteck 14"/>
           <p:cNvSpPr/>
           <p:nvPr/>
         </p:nvSpPr>
         <p:spPr bwMode="auto">
           <a:xfrm flipV="1">
-            <a:off x="230088" y="5384526"/>
-            <a:ext cx="5134000" cy="489991"/>
+            <a:off x="7633449" y="5103771"/>
+            <a:ext cx="1043007" cy="187486"/>
           </a:xfrm>
           <a:prstGeom prst="rect">
             <a:avLst/>
@@ -11025,79 +11022,14 @@
       </p:sp>
       <p:sp>
         <p:nvSpPr>
-          <p:cNvPr id="15" name="Rechteck 14"/>
-          <p:cNvSpPr/>
-          <p:nvPr/>
-        </p:nvSpPr>
-        <p:spPr bwMode="auto">
-          <a:xfrm flipV="1">
-            <a:off x="5975659" y="5368554"/>
-            <a:ext cx="2631008" cy="558427"/>
-          </a:xfrm>
-          <a:prstGeom prst="rect">
-            <a:avLst/>
-          </a:prstGeom>
-          <a:noFill/>
-          <a:ln w="38100" cap="flat" cmpd="sng" algn="ctr">
-            <a:solidFill>
-              <a:srgbClr val="C00000"/>
-            </a:solidFill>
-            <a:prstDash val="solid"/>
-            <a:round/>
-            <a:headEnd type="none" w="med" len="med"/>
-            <a:tailEnd type="triangle" w="med" len="med"/>
-          </a:ln>
-          <a:effectLst/>
-          <a:extLst/>
-        </p:spPr>
-        <p:txBody>
-          <a:bodyPr vert="horz" wrap="square" lIns="91440" tIns="45720" rIns="91440" bIns="45720" numCol="1" rtlCol="0" anchor="ctr" anchorCtr="0" compatLnSpc="1">
-            <a:prstTxWarp prst="textNoShape">
-              <a:avLst/>
-            </a:prstTxWarp>
-            <a:noAutofit/>
-          </a:bodyPr>
-          <a:lstStyle/>
-          <a:p>
-            <a:pPr marL="0" marR="0" indent="0" algn="ctr" defTabSz="914400" rtl="0" eaLnBrk="1" fontAlgn="base" latinLnBrk="0" hangingPunct="1">
-              <a:lnSpc>
-                <a:spcPct val="100000"/>
-              </a:lnSpc>
-              <a:spcBef>
-                <a:spcPct val="30000"/>
-              </a:spcBef>
-              <a:spcAft>
-                <a:spcPct val="0"/>
-              </a:spcAft>
-              <a:buClrTx/>
-              <a:buSzTx/>
-              <a:buFontTx/>
-              <a:buNone/>
-              <a:tabLst/>
-            </a:pPr>
-            <a:endParaRPr kumimoji="0" lang="en-GB" sz="2000" b="1" i="0" u="none" strike="noStrike" cap="none" normalizeH="0" baseline="0" dirty="0" smtClean="0">
-              <a:ln>
-                <a:noFill/>
-              </a:ln>
-              <a:solidFill>
-                <a:schemeClr val="tx1"/>
-              </a:solidFill>
-              <a:effectLst/>
-              <a:latin typeface="Arial" pitchFamily="34" charset="0"/>
-            </a:endParaRPr>
-          </a:p>
-        </p:txBody>
-      </p:sp>
-      <p:sp>
-        <p:nvSpPr>
           <p:cNvPr id="12" name="Rechteck 11"/>
           <p:cNvSpPr/>
           <p:nvPr/>
         </p:nvSpPr>
         <p:spPr>
           <a:xfrm rot="16200000">
-            <a:off x="7298309" y="4367706"/>
-            <a:ext cx="2758514" cy="861876"/>
+            <a:off x="7370317" y="3995068"/>
+            <a:ext cx="2758514" cy="717860"/>
           </a:xfrm>
           <a:prstGeom prst="rect">
             <a:avLst/>
@@ -11157,7 +11089,7 @@
         <p:spPr>
           <a:xfrm>
             <a:off x="251522" y="1332057"/>
-            <a:ext cx="8496944" cy="584775"/>
+            <a:ext cx="8496944" cy="830997"/>
           </a:xfrm>
           <a:prstGeom prst="rect">
             <a:avLst/>
@@ -11188,7 +11120,15 @@
             </a:r>
             <a:r>
               <a:rPr lang="en-GB" dirty="0" smtClean="0"/>
-              <a:t>VECTO-Engine and have to be entered in the VECTO Engine file (.</a:t>
+              <a:t>VECTO-Engine and have to be </a:t>
+            </a:r>
+            <a:r>
+              <a:rPr lang="en-GB" dirty="0" smtClean="0"/>
+              <a:t>loaded in </a:t>
+            </a:r>
+            <a:r>
+              <a:rPr lang="en-GB" dirty="0" smtClean="0"/>
+              <a:t>the VECTO Engine file (.</a:t>
             </a:r>
             <a:r>
               <a:rPr lang="en-GB" dirty="0" err="1" smtClean="0"/>
@@ -11196,7 +11136,15 @@
             </a:r>
             <a:r>
               <a:rPr lang="en-GB" dirty="0" smtClean="0"/>
-              <a:t>)</a:t>
+              <a:t>) via an XML transfer file (</a:t>
+            </a:r>
+            <a:r>
+              <a:rPr lang="en-GB" dirty="0"/>
+              <a:t>or entered </a:t>
+            </a:r>
+            <a:r>
+              <a:rPr lang="en-GB" dirty="0" smtClean="0"/>
+              <a:t>manually)</a:t>
             </a:r>
             <a:endParaRPr lang="en-GB" dirty="0"/>
           </a:p>
@@ -11210,7 +11158,7 @@
         </p:nvSpPr>
         <p:spPr>
           <a:xfrm>
-            <a:off x="107504" y="1986142"/>
+            <a:off x="107504" y="2450154"/>
             <a:ext cx="3286412" cy="307777"/>
           </a:xfrm>
           <a:prstGeom prst="rect">
@@ -11236,7 +11184,6 @@
               <a:rPr lang="en-GB" sz="1400" b="0" dirty="0" smtClean="0"/>
               <a:t>VECTO-Engine (distributed separately)</a:t>
             </a:r>
-            <a:endParaRPr lang="en-GB" sz="1400" b="0" dirty="0" smtClean="0"/>
           </a:p>
         </p:txBody>
       </p:sp>
@@ -11248,7 +11195,7 @@
         </p:nvSpPr>
         <p:spPr>
           <a:xfrm>
-            <a:off x="5891756" y="3113522"/>
+            <a:off x="6035772" y="2668876"/>
             <a:ext cx="1260281" cy="307777"/>
           </a:xfrm>
           <a:prstGeom prst="rect">
@@ -11285,7 +11232,7 @@
         </p:nvSpPr>
         <p:spPr>
           <a:xfrm>
-            <a:off x="5870363" y="5743525"/>
+            <a:off x="5654339" y="5298879"/>
             <a:ext cx="3238141" cy="578393"/>
           </a:xfrm>
           <a:prstGeom prst="rect">
@@ -11345,7 +11292,7 @@
         </p:nvSpPr>
         <p:spPr bwMode="auto">
           <a:xfrm rot="16200000">
-            <a:off x="5529064" y="5394177"/>
+            <a:off x="5582000" y="4995170"/>
             <a:ext cx="288032" cy="534144"/>
           </a:xfrm>
           <a:prstGeom prst="downArrow">
@@ -11401,6 +11348,176 @@
               <a:effectLst/>
               <a:latin typeface="Arial" pitchFamily="34" charset="0"/>
             </a:endParaRPr>
+          </a:p>
+        </p:txBody>
+      </p:sp>
+      <p:sp>
+        <p:nvSpPr>
+          <p:cNvPr id="16" name="Pfeil nach unten 15"/>
+          <p:cNvSpPr/>
+          <p:nvPr/>
+        </p:nvSpPr>
+        <p:spPr bwMode="auto">
+          <a:xfrm rot="16200000">
+            <a:off x="4527079" y="4995583"/>
+            <a:ext cx="288032" cy="534144"/>
+          </a:xfrm>
+          <a:prstGeom prst="downArrow">
+            <a:avLst/>
+          </a:prstGeom>
+          <a:solidFill>
+            <a:srgbClr val="990000"/>
+          </a:solidFill>
+          <a:ln w="19050" cap="flat" cmpd="sng" algn="ctr">
+            <a:solidFill>
+              <a:schemeClr val="tx1"/>
+            </a:solidFill>
+            <a:prstDash val="solid"/>
+            <a:round/>
+            <a:headEnd type="none" w="med" len="med"/>
+            <a:tailEnd type="triangle" w="med" len="med"/>
+          </a:ln>
+          <a:effectLst/>
+          <a:extLst/>
+        </p:spPr>
+        <p:txBody>
+          <a:bodyPr vert="horz" wrap="square" lIns="91440" tIns="45720" rIns="91440" bIns="45720" numCol="1" rtlCol="0" anchor="ctr" anchorCtr="0" compatLnSpc="1">
+            <a:prstTxWarp prst="textNoShape">
+              <a:avLst/>
+            </a:prstTxWarp>
+            <a:noAutofit/>
+          </a:bodyPr>
+          <a:lstStyle/>
+          <a:p>
+            <a:pPr marL="0" marR="0" indent="0" algn="ctr" defTabSz="914400" rtl="0" eaLnBrk="1" fontAlgn="base" latinLnBrk="0" hangingPunct="1">
+              <a:lnSpc>
+                <a:spcPct val="100000"/>
+              </a:lnSpc>
+              <a:spcBef>
+                <a:spcPct val="30000"/>
+              </a:spcBef>
+              <a:spcAft>
+                <a:spcPct val="0"/>
+              </a:spcAft>
+              <a:buClrTx/>
+              <a:buSzTx/>
+              <a:buFontTx/>
+              <a:buNone/>
+              <a:tabLst/>
+            </a:pPr>
+            <a:endParaRPr kumimoji="0" lang="en-GB" sz="2000" b="1" i="0" u="none" strike="noStrike" cap="none" normalizeH="0" baseline="0" smtClean="0">
+              <a:ln>
+                <a:noFill/>
+              </a:ln>
+              <a:solidFill>
+                <a:schemeClr val="tx1"/>
+              </a:solidFill>
+              <a:effectLst/>
+              <a:latin typeface="Arial" pitchFamily="34" charset="0"/>
+            </a:endParaRPr>
+          </a:p>
+        </p:txBody>
+      </p:sp>
+      <p:sp>
+        <p:nvSpPr>
+          <p:cNvPr id="3" name="Gefaltete Ecke 2"/>
+          <p:cNvSpPr/>
+          <p:nvPr/>
+        </p:nvSpPr>
+        <p:spPr bwMode="auto">
+          <a:xfrm rot="16200000">
+            <a:off x="4917766" y="5027963"/>
+            <a:ext cx="497628" cy="359291"/>
+          </a:xfrm>
+          <a:prstGeom prst="foldedCorner">
+            <a:avLst>
+              <a:gd name="adj" fmla="val 50000"/>
+            </a:avLst>
+          </a:prstGeom>
+          <a:solidFill>
+            <a:schemeClr val="accent1">
+              <a:lumMod val="20000"/>
+              <a:lumOff val="80000"/>
+            </a:schemeClr>
+          </a:solidFill>
+          <a:ln w="19050" cap="flat" cmpd="sng" algn="ctr">
+            <a:solidFill>
+              <a:schemeClr val="tx1"/>
+            </a:solidFill>
+            <a:prstDash val="solid"/>
+            <a:round/>
+            <a:headEnd type="none" w="med" len="med"/>
+            <a:tailEnd type="none" w="med" len="med"/>
+          </a:ln>
+          <a:effectLst/>
+          <a:extLst/>
+        </p:spPr>
+        <p:txBody>
+          <a:bodyPr vert="horz" wrap="square" lIns="91440" tIns="45720" rIns="91440" bIns="45720" numCol="1" rtlCol="0" anchor="ctr" anchorCtr="0" compatLnSpc="1">
+            <a:prstTxWarp prst="textNoShape">
+              <a:avLst/>
+            </a:prstTxWarp>
+            <a:spAutoFit/>
+          </a:bodyPr>
+          <a:lstStyle/>
+          <a:p>
+            <a:pPr marL="0" marR="0" indent="0" algn="ctr" defTabSz="914400" rtl="0" eaLnBrk="1" fontAlgn="base" latinLnBrk="0" hangingPunct="1">
+              <a:lnSpc>
+                <a:spcPct val="100000"/>
+              </a:lnSpc>
+              <a:spcBef>
+                <a:spcPct val="30000"/>
+              </a:spcBef>
+              <a:spcAft>
+                <a:spcPct val="0"/>
+              </a:spcAft>
+              <a:buClrTx/>
+              <a:buSzTx/>
+              <a:buFontTx/>
+              <a:buNone/>
+              <a:tabLst/>
+            </a:pPr>
+            <a:endParaRPr lang="en-GB" b="0" dirty="0">
+              <a:latin typeface="Arial" pitchFamily="34" charset="0"/>
+            </a:endParaRPr>
+          </a:p>
+        </p:txBody>
+      </p:sp>
+      <p:sp>
+        <p:nvSpPr>
+          <p:cNvPr id="4" name="Textfeld 3"/>
+          <p:cNvSpPr txBox="1"/>
+          <p:nvPr/>
+        </p:nvSpPr>
+        <p:spPr>
+          <a:xfrm>
+            <a:off x="4938167" y="5170671"/>
+            <a:ext cx="474810" cy="261610"/>
+          </a:xfrm>
+          <a:prstGeom prst="rect">
+            <a:avLst/>
+          </a:prstGeom>
+          <a:noFill/>
+          <a:ln>
+            <a:noFill/>
+          </a:ln>
+        </p:spPr>
+        <p:txBody>
+          <a:bodyPr wrap="none" rtlCol="0">
+            <a:spAutoFit/>
+          </a:bodyPr>
+          <a:lstStyle/>
+          <a:p>
+            <a:pPr algn="l">
+              <a:spcBef>
+                <a:spcPts val="0"/>
+              </a:spcBef>
+            </a:pPr>
+            <a:r>
+              <a:rPr lang="en-GB" sz="1100" b="0" dirty="0" smtClean="0"/>
+              <a:t>XML</a:t>
+            </a:r>
+            <a:endParaRPr lang="en-GB" sz="1100" b="0" dirty="0" smtClean="0"/>
           </a:p>
         </p:txBody>
       </p:sp>
@@ -12038,11 +12155,7 @@
             <a:pPr eaLnBrk="1" hangingPunct="1"/>
             <a:r>
               <a:rPr lang="en-GB" sz="2800" dirty="0" smtClean="0"/>
-              <a:t>Full Changelog </a:t>
-            </a:r>
-            <a:r>
-              <a:rPr lang="en-GB" sz="2800" dirty="0" smtClean="0"/>
-              <a:t>since V2.1.4</a:t>
+              <a:t>Full Changelog since V2.1.4</a:t>
             </a:r>
             <a:endParaRPr lang="en-GB" sz="2800" dirty="0"/>
           </a:p>
@@ -12276,15 +12389,7 @@
             </a:pPr>
             <a:r>
               <a:rPr lang="en-GB" sz="1200" b="0" i="1" dirty="0" smtClean="0"/>
-              <a:t>For </a:t>
-            </a:r>
-            <a:r>
-              <a:rPr lang="en-GB" sz="1200" b="0" i="1" dirty="0" smtClean="0"/>
-              <a:t>full changelog see VECTO Main Form &gt; Help &gt; User </a:t>
-            </a:r>
-            <a:r>
-              <a:rPr lang="en-GB" sz="1200" b="0" i="1" dirty="0" smtClean="0"/>
-              <a:t>Manual or </a:t>
+              <a:t>For full changelog see VECTO Main Form &gt; Help &gt; User Manual or </a:t>
             </a:r>
             <a:r>
               <a:rPr lang="en-GB" sz="1200" b="0" i="1" dirty="0" smtClean="0">
@@ -12359,11 +12464,7 @@
             <a:pPr eaLnBrk="1" hangingPunct="1"/>
             <a:r>
               <a:rPr lang="en-GB" sz="2800" dirty="0" smtClean="0"/>
-              <a:t>Full Changelog </a:t>
-            </a:r>
-            <a:r>
-              <a:rPr lang="en-GB" sz="2800" dirty="0" smtClean="0"/>
-              <a:t>since V2.1</a:t>
+              <a:t>Full Changelog since V2.1</a:t>
             </a:r>
             <a:endParaRPr lang="en-GB" sz="2800" dirty="0"/>
           </a:p>
@@ -12707,15 +12808,7 @@
             </a:pPr>
             <a:r>
               <a:rPr lang="en-GB" sz="1200" b="0" i="1" dirty="0" smtClean="0"/>
-              <a:t>For </a:t>
-            </a:r>
-            <a:r>
-              <a:rPr lang="en-GB" sz="1200" b="0" i="1" dirty="0" smtClean="0"/>
-              <a:t>full changelog see VECTO Main Form &gt; Help &gt; User </a:t>
-            </a:r>
-            <a:r>
-              <a:rPr lang="en-GB" sz="1200" b="0" i="1" dirty="0" smtClean="0"/>
-              <a:t>Manual or </a:t>
+              <a:t>For full changelog see VECTO Main Form &gt; Help &gt; User Manual or </a:t>
             </a:r>
             <a:r>
               <a:rPr lang="en-GB" sz="1200" b="0" i="1" dirty="0" smtClean="0">

--- a/User Manual Source/Release Notes 2.2.pptx
+++ b/User Manual Source/Release Notes 2.2.pptx
@@ -5330,7 +5330,7 @@
                   <a:srgbClr val="990000"/>
                 </a:solidFill>
               </a:rPr>
-              <a:t>09.09.2015</a:t>
+              <a:t>10.09.2015</a:t>
             </a:r>
             <a:endParaRPr lang="en-US" sz="2000" dirty="0" smtClean="0">
               <a:solidFill>
@@ -9960,13 +9960,8 @@
             </a:pPr>
             <a:r>
               <a:rPr lang="en-GB" sz="1400" b="0" dirty="0" smtClean="0"/>
-              <a:t>*	</a:t>
-            </a:r>
-            <a:r>
-              <a:rPr lang="en-GB" sz="1400" b="0" dirty="0" smtClean="0"/>
-              <a:t>The torque curve used for generation of shift polygons is the minimum curve of engine full load curve and gear box "full load" curve</a:t>
-            </a:r>
-            <a:endParaRPr lang="en-GB" sz="1400" b="0" dirty="0" smtClean="0"/>
+              <a:t>*	The torque curve used for generation of shift polygons is the minimum curve of engine full load curve and gear box "full load" curve</a:t>
+            </a:r>
           </a:p>
         </p:txBody>
       </p:sp>
@@ -11120,15 +11115,7 @@
             </a:r>
             <a:r>
               <a:rPr lang="en-GB" dirty="0" smtClean="0"/>
-              <a:t>VECTO-Engine and have to be </a:t>
-            </a:r>
-            <a:r>
-              <a:rPr lang="en-GB" dirty="0" smtClean="0"/>
-              <a:t>loaded in </a:t>
-            </a:r>
-            <a:r>
-              <a:rPr lang="en-GB" dirty="0" smtClean="0"/>
-              <a:t>the VECTO Engine file (.</a:t>
+              <a:t>VECTO-Engine and have to be loaded in the VECTO Engine file (.</a:t>
             </a:r>
             <a:r>
               <a:rPr lang="en-GB" dirty="0" err="1" smtClean="0"/>
@@ -11517,7 +11504,6 @@
               <a:rPr lang="en-GB" sz="1100" b="0" dirty="0" smtClean="0"/>
               <a:t>XML</a:t>
             </a:r>
-            <a:endParaRPr lang="en-GB" sz="1100" b="0" dirty="0" smtClean="0"/>
           </a:p>
         </p:txBody>
       </p:sp>
